--- a/3. Ebook/Elastic Search/ElasticSearch Search Engine - Pham Ngoc Huy.pptx
+++ b/3. Ebook/Elastic Search/ElasticSearch Search Engine - Pham Ngoc Huy.pptx
@@ -211,7 +211,7 @@
           <a:p>
             <a:fld id="{0920BFC8-9E91-40C1-915D-E6813AB72EC4}" type="datetimeFigureOut">
               <a:rPr lang="en-US" smtClean="0"/>
-              <a:t>12/13/2017</a:t>
+              <a:t>11/21/2018</a:t>
             </a:fld>
             <a:endParaRPr lang="en-US"/>
           </a:p>
@@ -4371,7 +4371,7 @@
             <a:fld id="{1D8BD707-D9CF-40AE-B4C6-C98DA3205C09}" type="datetimeFigureOut">
               <a:rPr lang="en-US" smtClean="0"/>
               <a:pPr/>
-              <a:t>12/13/2017</a:t>
+              <a:t>11/21/2018</a:t>
             </a:fld>
             <a:endParaRPr lang="en-US"/>
           </a:p>
@@ -6193,7 +6193,7 @@
             <a:fld id="{1D8BD707-D9CF-40AE-B4C6-C98DA3205C09}" type="datetimeFigureOut">
               <a:rPr lang="en-US" smtClean="0"/>
               <a:pPr/>
-              <a:t>12/13/2017</a:t>
+              <a:t>11/21/2018</a:t>
             </a:fld>
             <a:endParaRPr lang="en-US"/>
           </a:p>
@@ -6470,7 +6470,7 @@
             <a:fld id="{1D8BD707-D9CF-40AE-B4C6-C98DA3205C09}" type="datetimeFigureOut">
               <a:rPr lang="en-US" smtClean="0"/>
               <a:pPr/>
-              <a:t>12/13/2017</a:t>
+              <a:t>11/21/2018</a:t>
             </a:fld>
             <a:endParaRPr lang="en-US"/>
           </a:p>
@@ -6623,7 +6623,7 @@
             <a:fld id="{1D8BD707-D9CF-40AE-B4C6-C98DA3205C09}" type="datetimeFigureOut">
               <a:rPr lang="en-US" smtClean="0"/>
               <a:pPr/>
-              <a:t>12/13/2017</a:t>
+              <a:t>11/21/2018</a:t>
             </a:fld>
             <a:endParaRPr lang="en-US"/>
           </a:p>
@@ -8451,7 +8451,7 @@
             <a:fld id="{1D8BD707-D9CF-40AE-B4C6-C98DA3205C09}" type="datetimeFigureOut">
               <a:rPr lang="en-US" smtClean="0"/>
               <a:pPr/>
-              <a:t>12/13/2017</a:t>
+              <a:t>11/21/2018</a:t>
             </a:fld>
             <a:endParaRPr lang="en-US"/>
           </a:p>
@@ -10330,7 +10330,7 @@
             <a:fld id="{1D8BD707-D9CF-40AE-B4C6-C98DA3205C09}" type="datetimeFigureOut">
               <a:rPr lang="en-US" smtClean="0"/>
               <a:pPr/>
-              <a:t>12/13/2017</a:t>
+              <a:t>11/21/2018</a:t>
             </a:fld>
             <a:endParaRPr lang="en-US"/>
           </a:p>
@@ -10452,7 +10452,7 @@
             <a:fld id="{1D8BD707-D9CF-40AE-B4C6-C98DA3205C09}" type="datetimeFigureOut">
               <a:rPr lang="en-US" smtClean="0"/>
               <a:pPr/>
-              <a:t>12/13/2017</a:t>
+              <a:t>11/21/2018</a:t>
             </a:fld>
             <a:endParaRPr lang="en-US"/>
           </a:p>
@@ -11002,7 +11002,7 @@
             <a:fld id="{1D8BD707-D9CF-40AE-B4C6-C98DA3205C09}" type="datetimeFigureOut">
               <a:rPr lang="en-US" smtClean="0"/>
               <a:pPr/>
-              <a:t>12/13/2017</a:t>
+              <a:t>11/21/2018</a:t>
             </a:fld>
             <a:endParaRPr lang="en-US"/>
           </a:p>
@@ -11124,7 +11124,7 @@
             <a:fld id="{1D8BD707-D9CF-40AE-B4C6-C98DA3205C09}" type="datetimeFigureOut">
               <a:rPr lang="en-US" smtClean="0"/>
               <a:pPr/>
-              <a:t>12/13/2017</a:t>
+              <a:t>11/21/2018</a:t>
             </a:fld>
             <a:endParaRPr lang="en-US"/>
           </a:p>
@@ -11251,7 +11251,7 @@
             <a:fld id="{1D8BD707-D9CF-40AE-B4C6-C98DA3205C09}" type="datetimeFigureOut">
               <a:rPr lang="en-US" smtClean="0"/>
               <a:pPr/>
-              <a:t>12/13/2017</a:t>
+              <a:t>11/21/2018</a:t>
             </a:fld>
             <a:endParaRPr lang="en-US"/>
           </a:p>
@@ -12971,7 +12971,7 @@
             <a:fld id="{1D8BD707-D9CF-40AE-B4C6-C98DA3205C09}" type="datetimeFigureOut">
               <a:rPr lang="en-US" smtClean="0"/>
               <a:pPr/>
-              <a:t>12/13/2017</a:t>
+              <a:t>11/21/2018</a:t>
             </a:fld>
             <a:endParaRPr lang="en-US"/>
           </a:p>
@@ -13124,7 +13124,7 @@
             <a:fld id="{1D8BD707-D9CF-40AE-B4C6-C98DA3205C09}" type="datetimeFigureOut">
               <a:rPr lang="en-US" smtClean="0"/>
               <a:pPr/>
-              <a:t>12/13/2017</a:t>
+              <a:t>11/21/2018</a:t>
             </a:fld>
             <a:endParaRPr lang="en-US"/>
           </a:p>
@@ -16686,7 +16686,7 @@
             <a:fld id="{1D8BD707-D9CF-40AE-B4C6-C98DA3205C09}" type="datetimeFigureOut">
               <a:rPr lang="en-US" smtClean="0"/>
               <a:pPr/>
-              <a:t>12/13/2017</a:t>
+              <a:t>11/21/2018</a:t>
             </a:fld>
             <a:endParaRPr lang="en-US"/>
           </a:p>
@@ -17295,44 +17295,23 @@
               <a:buNone/>
             </a:pPr>
             <a:r>
-              <a:rPr lang="en-US" sz="2400">
+              <a:rPr lang="en-US" sz="2400" dirty="0" smtClean="0">
                 <a:latin typeface="Overlock"/>
                 <a:ea typeface="Overlock"/>
                 <a:cs typeface="Overlock"/>
                 <a:sym typeface="Overlock"/>
               </a:rPr>
-              <a:t>Seminar IFI</a:t>
+              <a:t>Seminar</a:t>
             </a:r>
+            <a:endParaRPr lang="en-US" sz="2400" dirty="0">
+              <a:latin typeface="Overlock"/>
+              <a:ea typeface="Overlock"/>
+              <a:cs typeface="Overlock"/>
+              <a:sym typeface="Overlock"/>
+            </a:endParaRPr>
           </a:p>
         </p:txBody>
       </p:sp>
-      <p:pic>
-        <p:nvPicPr>
-          <p:cNvPr id="5176" name="Shape 5176" descr="D:\DROPBOX\Dropbox\Seminar IFI Solution v2.0\Slide\IFS_NTTD_Logo_Tiny.png"/>
-          <p:cNvPicPr preferRelativeResize="0"/>
-          <p:nvPr/>
-        </p:nvPicPr>
-        <p:blipFill rotWithShape="1">
-          <a:blip r:embed="rId3">
-            <a:alphaModFix/>
-          </a:blip>
-          <a:srcRect/>
-          <a:stretch/>
-        </p:blipFill>
-        <p:spPr>
-          <a:xfrm>
-            <a:off x="533400" y="457200"/>
-            <a:ext cx="1584000" cy="990600"/>
-          </a:xfrm>
-          <a:prstGeom prst="rect">
-            <a:avLst/>
-          </a:prstGeom>
-          <a:noFill/>
-          <a:ln>
-            <a:noFill/>
-          </a:ln>
-        </p:spPr>
-      </p:pic>
       <p:pic>
         <p:nvPicPr>
           <p:cNvPr id="5177" name="Shape 5177" descr="C:\Users\pnhuy\Desktop\image\elastic-logo-200.png"/>
@@ -17340,7 +17319,7 @@
           <p:nvPr/>
         </p:nvPicPr>
         <p:blipFill rotWithShape="1">
-          <a:blip r:embed="rId4">
+          <a:blip r:embed="rId3">
             <a:alphaModFix/>
           </a:blip>
           <a:srcRect/>
@@ -17369,7 +17348,7 @@
         <p:spPr>
           <a:xfrm>
             <a:off x="3657600" y="3962363"/>
-            <a:ext cx="1824600" cy="400200"/>
+            <a:ext cx="2743200" cy="400200"/>
           </a:xfrm>
           <a:prstGeom prst="rect">
             <a:avLst/>
@@ -17380,7 +17359,7 @@
           </a:ln>
         </p:spPr>
         <p:txBody>
-          <a:bodyPr lIns="91425" tIns="45700" rIns="91425" bIns="45700" anchor="t" anchorCtr="0">
+          <a:bodyPr wrap="square" lIns="91425" tIns="45700" rIns="91425" bIns="45700" anchor="t" anchorCtr="0">
             <a:spAutoFit/>
           </a:bodyPr>
           <a:lstStyle/>
@@ -17397,7 +17376,7 @@
               <a:buNone/>
             </a:pPr>
             <a:r>
-              <a:rPr lang="en-US" sz="2000" i="1">
+              <a:rPr lang="en-US" sz="2000" i="1" dirty="0">
                 <a:solidFill>
                   <a:schemeClr val="dk1"/>
                 </a:solidFill>
@@ -17419,8 +17398,8 @@
         </p:nvSpPr>
         <p:spPr>
           <a:xfrm>
-            <a:off x="4038600" y="4419600"/>
-            <a:ext cx="925200" cy="338700"/>
+            <a:off x="457200" y="423300"/>
+            <a:ext cx="2590800" cy="338700"/>
           </a:xfrm>
           <a:prstGeom prst="rect">
             <a:avLst/>
@@ -17431,7 +17410,7 @@
           </a:ln>
         </p:spPr>
         <p:txBody>
-          <a:bodyPr lIns="91425" tIns="45700" rIns="91425" bIns="45700" anchor="t" anchorCtr="0">
+          <a:bodyPr wrap="square" lIns="91425" tIns="45700" rIns="91425" bIns="45700" anchor="t" anchorCtr="0">
             <a:spAutoFit/>
           </a:bodyPr>
           <a:lstStyle/>
@@ -17448,7 +17427,7 @@
               <a:buNone/>
             </a:pPr>
             <a:r>
-              <a:rPr lang="en-US" sz="1600" i="1">
+              <a:rPr lang="en-US" sz="1600" i="1" dirty="0">
                 <a:solidFill>
                   <a:schemeClr val="dk1"/>
                 </a:solidFill>
